--- a/Blueprint.pptx
+++ b/Blueprint.pptx
@@ -6,6 +6,7 @@
   </p:sldMasterIdLst>
   <p:sldIdLst>
     <p:sldId id="256" r:id="rId2"/>
+    <p:sldId id="257" r:id="rId3"/>
   </p:sldIdLst>
   <p:sldSz cx="12192000" cy="6858000"/>
   <p:notesSz cx="6858000" cy="9144000"/>
@@ -104,7 +105,368 @@
       </a:defRPr>
     </a:lvl9pPr>
   </p:defaultTextStyle>
+  <p:extLst>
+    <p:ext uri="{EFAFB233-063F-42B5-8137-9DF3F51BA10A}">
+      <p15:sldGuideLst xmlns:p15="http://schemas.microsoft.com/office/powerpoint/2012/main"/>
+    </p:ext>
+  </p:extLst>
 </p:presentation>
+</file>
+
+<file path=ppt/changesInfos/changesInfo1.xml><?xml version="1.0" encoding="utf-8"?>
+<pc:chgInfo xmlns:a="http://schemas.openxmlformats.org/drawingml/2006/main" xmlns:r="http://schemas.openxmlformats.org/officeDocument/2006/relationships" xmlns:ac="http://schemas.microsoft.com/office/drawing/2013/main/command" xmlns:pc="http://schemas.microsoft.com/office/powerpoint/2013/main/command">
+  <pc:docChgLst>
+    <pc:chgData name="Amar" userId="e6855fdc72edbb04" providerId="LiveId" clId="{CF80D8A7-CC41-4EF3-AA75-E2F179A63D8E}"/>
+    <pc:docChg chg="custSel addSld modSld">
+      <pc:chgData name="Amar" userId="e6855fdc72edbb04" providerId="LiveId" clId="{CF80D8A7-CC41-4EF3-AA75-E2F179A63D8E}" dt="2021-08-18T10:04:46.270" v="528" actId="478"/>
+      <pc:docMkLst>
+        <pc:docMk/>
+      </pc:docMkLst>
+      <pc:sldChg chg="addSp modSp mod">
+        <pc:chgData name="Amar" userId="e6855fdc72edbb04" providerId="LiveId" clId="{CF80D8A7-CC41-4EF3-AA75-E2F179A63D8E}" dt="2021-08-18T08:44:35.600" v="364" actId="255"/>
+        <pc:sldMkLst>
+          <pc:docMk/>
+          <pc:sldMk cId="1309221323" sldId="256"/>
+        </pc:sldMkLst>
+        <pc:spChg chg="mod">
+          <ac:chgData name="Amar" userId="e6855fdc72edbb04" providerId="LiveId" clId="{CF80D8A7-CC41-4EF3-AA75-E2F179A63D8E}" dt="2021-08-18T04:23:13.086" v="66" actId="1076"/>
+          <ac:spMkLst>
+            <pc:docMk/>
+            <pc:sldMk cId="1309221323" sldId="256"/>
+            <ac:spMk id="6" creationId="{F092C2A9-EEDE-41A7-9CD5-34172058808E}"/>
+          </ac:spMkLst>
+        </pc:spChg>
+        <pc:spChg chg="mod">
+          <ac:chgData name="Amar" userId="e6855fdc72edbb04" providerId="LiveId" clId="{CF80D8A7-CC41-4EF3-AA75-E2F179A63D8E}" dt="2021-08-18T04:16:12.109" v="49" actId="255"/>
+          <ac:spMkLst>
+            <pc:docMk/>
+            <pc:sldMk cId="1309221323" sldId="256"/>
+            <ac:spMk id="10" creationId="{48061786-36C7-4A2F-9965-53BCF0AB0A11}"/>
+          </ac:spMkLst>
+        </pc:spChg>
+        <pc:spChg chg="mod">
+          <ac:chgData name="Amar" userId="e6855fdc72edbb04" providerId="LiveId" clId="{CF80D8A7-CC41-4EF3-AA75-E2F179A63D8E}" dt="2021-08-18T08:40:55.415" v="279" actId="20577"/>
+          <ac:spMkLst>
+            <pc:docMk/>
+            <pc:sldMk cId="1309221323" sldId="256"/>
+            <ac:spMk id="11" creationId="{31EBAC52-C7D9-46E5-9DF4-F566F92E8530}"/>
+          </ac:spMkLst>
+        </pc:spChg>
+        <pc:spChg chg="mod">
+          <ac:chgData name="Amar" userId="e6855fdc72edbb04" providerId="LiveId" clId="{CF80D8A7-CC41-4EF3-AA75-E2F179A63D8E}" dt="2021-08-18T08:37:30.758" v="234" actId="20577"/>
+          <ac:spMkLst>
+            <pc:docMk/>
+            <pc:sldMk cId="1309221323" sldId="256"/>
+            <ac:spMk id="13" creationId="{8FE5A37E-4C83-414E-83DB-8443532AA2CF}"/>
+          </ac:spMkLst>
+        </pc:spChg>
+        <pc:spChg chg="mod">
+          <ac:chgData name="Amar" userId="e6855fdc72edbb04" providerId="LiveId" clId="{CF80D8A7-CC41-4EF3-AA75-E2F179A63D8E}" dt="2021-08-18T04:40:10.422" v="203" actId="1076"/>
+          <ac:spMkLst>
+            <pc:docMk/>
+            <pc:sldMk cId="1309221323" sldId="256"/>
+            <ac:spMk id="14" creationId="{39161DFD-8CAA-4DA6-BDC4-CB57852A94E9}"/>
+          </ac:spMkLst>
+        </pc:spChg>
+        <pc:spChg chg="mod">
+          <ac:chgData name="Amar" userId="e6855fdc72edbb04" providerId="LiveId" clId="{CF80D8A7-CC41-4EF3-AA75-E2F179A63D8E}" dt="2021-08-18T04:23:09.506" v="65" actId="1076"/>
+          <ac:spMkLst>
+            <pc:docMk/>
+            <pc:sldMk cId="1309221323" sldId="256"/>
+            <ac:spMk id="19" creationId="{20B96768-DD2D-4ABF-9F68-0DD288CAE4EF}"/>
+          </ac:spMkLst>
+        </pc:spChg>
+        <pc:spChg chg="mod">
+          <ac:chgData name="Amar" userId="e6855fdc72edbb04" providerId="LiveId" clId="{CF80D8A7-CC41-4EF3-AA75-E2F179A63D8E}" dt="2021-08-18T08:31:59.047" v="219" actId="1076"/>
+          <ac:spMkLst>
+            <pc:docMk/>
+            <pc:sldMk cId="1309221323" sldId="256"/>
+            <ac:spMk id="20" creationId="{4B585039-0FB0-4F6C-A8E7-1114B2E75C46}"/>
+          </ac:spMkLst>
+        </pc:spChg>
+        <pc:spChg chg="mod">
+          <ac:chgData name="Amar" userId="e6855fdc72edbb04" providerId="LiveId" clId="{CF80D8A7-CC41-4EF3-AA75-E2F179A63D8E}" dt="2021-08-18T08:43:07.722" v="309" actId="20577"/>
+          <ac:spMkLst>
+            <pc:docMk/>
+            <pc:sldMk cId="1309221323" sldId="256"/>
+            <ac:spMk id="21" creationId="{2AAD4090-7EF4-48A9-ABFB-839FA5C17093}"/>
+          </ac:spMkLst>
+        </pc:spChg>
+        <pc:spChg chg="add mod">
+          <ac:chgData name="Amar" userId="e6855fdc72edbb04" providerId="LiveId" clId="{CF80D8A7-CC41-4EF3-AA75-E2F179A63D8E}" dt="2021-08-18T08:41:35.846" v="280" actId="1076"/>
+          <ac:spMkLst>
+            <pc:docMk/>
+            <pc:sldMk cId="1309221323" sldId="256"/>
+            <ac:spMk id="24" creationId="{68B7F018-38CD-49F3-9F8C-75172CB67DD0}"/>
+          </ac:spMkLst>
+        </pc:spChg>
+        <pc:spChg chg="add mod">
+          <ac:chgData name="Amar" userId="e6855fdc72edbb04" providerId="LiveId" clId="{CF80D8A7-CC41-4EF3-AA75-E2F179A63D8E}" dt="2021-08-18T04:15:35.174" v="44" actId="20577"/>
+          <ac:spMkLst>
+            <pc:docMk/>
+            <pc:sldMk cId="1309221323" sldId="256"/>
+            <ac:spMk id="25" creationId="{0D9122D1-6C8E-4BB1-890A-354A2A8A4A18}"/>
+          </ac:spMkLst>
+        </pc:spChg>
+        <pc:spChg chg="mod">
+          <ac:chgData name="Amar" userId="e6855fdc72edbb04" providerId="LiveId" clId="{CF80D8A7-CC41-4EF3-AA75-E2F179A63D8E}" dt="2021-08-18T08:32:55.636" v="222" actId="255"/>
+          <ac:spMkLst>
+            <pc:docMk/>
+            <pc:sldMk cId="1309221323" sldId="256"/>
+            <ac:spMk id="29" creationId="{5FB94C5A-0560-41A9-87F3-4BDD5438B7CE}"/>
+          </ac:spMkLst>
+        </pc:spChg>
+        <pc:spChg chg="mod">
+          <ac:chgData name="Amar" userId="e6855fdc72edbb04" providerId="LiveId" clId="{CF80D8A7-CC41-4EF3-AA75-E2F179A63D8E}" dt="2021-08-18T08:44:35.600" v="364" actId="255"/>
+          <ac:spMkLst>
+            <pc:docMk/>
+            <pc:sldMk cId="1309221323" sldId="256"/>
+            <ac:spMk id="30" creationId="{3CA553F1-7F7B-455E-B7D0-210668C5E1ED}"/>
+          </ac:spMkLst>
+        </pc:spChg>
+        <pc:spChg chg="add mod">
+          <ac:chgData name="Amar" userId="e6855fdc72edbb04" providerId="LiveId" clId="{CF80D8A7-CC41-4EF3-AA75-E2F179A63D8E}" dt="2021-08-18T04:28:50.143" v="201" actId="20577"/>
+          <ac:spMkLst>
+            <pc:docMk/>
+            <pc:sldMk cId="1309221323" sldId="256"/>
+            <ac:spMk id="32" creationId="{E1C9E99E-5C96-4B05-827C-30D45D82249A}"/>
+          </ac:spMkLst>
+        </pc:spChg>
+        <pc:spChg chg="add mod">
+          <ac:chgData name="Amar" userId="e6855fdc72edbb04" providerId="LiveId" clId="{CF80D8A7-CC41-4EF3-AA75-E2F179A63D8E}" dt="2021-08-18T08:38:58.232" v="262" actId="1076"/>
+          <ac:spMkLst>
+            <pc:docMk/>
+            <pc:sldMk cId="1309221323" sldId="256"/>
+            <ac:spMk id="41" creationId="{B015DF7A-3946-4536-AA44-85655C5AB67E}"/>
+          </ac:spMkLst>
+        </pc:spChg>
+        <pc:spChg chg="add mod">
+          <ac:chgData name="Amar" userId="e6855fdc72edbb04" providerId="LiveId" clId="{CF80D8A7-CC41-4EF3-AA75-E2F179A63D8E}" dt="2021-08-18T08:42:50.091" v="307" actId="1076"/>
+          <ac:spMkLst>
+            <pc:docMk/>
+            <pc:sldMk cId="1309221323" sldId="256"/>
+            <ac:spMk id="49" creationId="{8CF793CD-9656-4E4F-843B-5C0DB7B830D7}"/>
+          </ac:spMkLst>
+        </pc:spChg>
+        <pc:spChg chg="mod">
+          <ac:chgData name="Amar" userId="e6855fdc72edbb04" providerId="LiveId" clId="{CF80D8A7-CC41-4EF3-AA75-E2F179A63D8E}" dt="2021-08-18T08:39:12.683" v="264" actId="1076"/>
+          <ac:spMkLst>
+            <pc:docMk/>
+            <pc:sldMk cId="1309221323" sldId="256"/>
+            <ac:spMk id="1032" creationId="{61C27CD0-FABC-4F4F-9CA5-AE32AE3BB418}"/>
+          </ac:spMkLst>
+        </pc:spChg>
+        <pc:picChg chg="mod">
+          <ac:chgData name="Amar" userId="e6855fdc72edbb04" providerId="LiveId" clId="{CF80D8A7-CC41-4EF3-AA75-E2F179A63D8E}" dt="2021-08-18T04:16:20.587" v="52" actId="1076"/>
+          <ac:picMkLst>
+            <pc:docMk/>
+            <pc:sldMk cId="1309221323" sldId="256"/>
+            <ac:picMk id="1026" creationId="{AA2B9810-D1BD-42EA-8BC5-BD593A6F51FB}"/>
+          </ac:picMkLst>
+        </pc:picChg>
+        <pc:cxnChg chg="mod">
+          <ac:chgData name="Amar" userId="e6855fdc72edbb04" providerId="LiveId" clId="{CF80D8A7-CC41-4EF3-AA75-E2F179A63D8E}" dt="2021-08-18T04:40:10.422" v="203" actId="1076"/>
+          <ac:cxnSpMkLst>
+            <pc:docMk/>
+            <pc:sldMk cId="1309221323" sldId="256"/>
+            <ac:cxnSpMk id="22" creationId="{31ABEC74-D8F0-4356-8244-65E3E10E32C5}"/>
+          </ac:cxnSpMkLst>
+        </pc:cxnChg>
+        <pc:cxnChg chg="mod">
+          <ac:chgData name="Amar" userId="e6855fdc72edbb04" providerId="LiveId" clId="{CF80D8A7-CC41-4EF3-AA75-E2F179A63D8E}" dt="2021-08-18T04:40:10.422" v="203" actId="1076"/>
+          <ac:cxnSpMkLst>
+            <pc:docMk/>
+            <pc:sldMk cId="1309221323" sldId="256"/>
+            <ac:cxnSpMk id="31" creationId="{5F8D46E5-4F4D-458F-AABA-3F00D0B9B020}"/>
+          </ac:cxnSpMkLst>
+        </pc:cxnChg>
+        <pc:cxnChg chg="mod">
+          <ac:chgData name="Amar" userId="e6855fdc72edbb04" providerId="LiveId" clId="{CF80D8A7-CC41-4EF3-AA75-E2F179A63D8E}" dt="2021-08-18T08:39:12.683" v="264" actId="1076"/>
+          <ac:cxnSpMkLst>
+            <pc:docMk/>
+            <pc:sldMk cId="1309221323" sldId="256"/>
+            <ac:cxnSpMk id="43" creationId="{26095088-A9FA-43C3-8C73-8F17BC97087A}"/>
+          </ac:cxnSpMkLst>
+        </pc:cxnChg>
+        <pc:cxnChg chg="mod">
+          <ac:chgData name="Amar" userId="e6855fdc72edbb04" providerId="LiveId" clId="{CF80D8A7-CC41-4EF3-AA75-E2F179A63D8E}" dt="2021-08-18T08:39:12.683" v="264" actId="1076"/>
+          <ac:cxnSpMkLst>
+            <pc:docMk/>
+            <pc:sldMk cId="1309221323" sldId="256"/>
+            <ac:cxnSpMk id="48" creationId="{DE437165-7D04-48A3-848D-D580BEAAB5FD}"/>
+          </ac:cxnSpMkLst>
+        </pc:cxnChg>
+        <pc:cxnChg chg="mod">
+          <ac:chgData name="Amar" userId="e6855fdc72edbb04" providerId="LiveId" clId="{CF80D8A7-CC41-4EF3-AA75-E2F179A63D8E}" dt="2021-08-18T08:39:12.683" v="264" actId="1076"/>
+          <ac:cxnSpMkLst>
+            <pc:docMk/>
+            <pc:sldMk cId="1309221323" sldId="256"/>
+            <ac:cxnSpMk id="53" creationId="{9EDB42E1-2AEA-4618-8526-A86F1E09479E}"/>
+          </ac:cxnSpMkLst>
+        </pc:cxnChg>
+      </pc:sldChg>
+      <pc:sldChg chg="addSp delSp modSp new mod">
+        <pc:chgData name="Amar" userId="e6855fdc72edbb04" providerId="LiveId" clId="{CF80D8A7-CC41-4EF3-AA75-E2F179A63D8E}" dt="2021-08-18T10:04:46.270" v="528" actId="478"/>
+        <pc:sldMkLst>
+          <pc:docMk/>
+          <pc:sldMk cId="1538469339" sldId="257"/>
+        </pc:sldMkLst>
+        <pc:spChg chg="del">
+          <ac:chgData name="Amar" userId="e6855fdc72edbb04" providerId="LiveId" clId="{CF80D8A7-CC41-4EF3-AA75-E2F179A63D8E}" dt="2021-08-18T09:52:51.405" v="367" actId="478"/>
+          <ac:spMkLst>
+            <pc:docMk/>
+            <pc:sldMk cId="1538469339" sldId="257"/>
+            <ac:spMk id="2" creationId="{1B803D4B-CB0A-4506-8C73-27C5CE7A64AA}"/>
+          </ac:spMkLst>
+        </pc:spChg>
+        <pc:spChg chg="del">
+          <ac:chgData name="Amar" userId="e6855fdc72edbb04" providerId="LiveId" clId="{CF80D8A7-CC41-4EF3-AA75-E2F179A63D8E}" dt="2021-08-18T09:52:48.779" v="366" actId="478"/>
+          <ac:spMkLst>
+            <pc:docMk/>
+            <pc:sldMk cId="1538469339" sldId="257"/>
+            <ac:spMk id="3" creationId="{22A8EA4C-2E67-40B7-9524-54982F4D1FE9}"/>
+          </ac:spMkLst>
+        </pc:spChg>
+        <pc:spChg chg="add mod">
+          <ac:chgData name="Amar" userId="e6855fdc72edbb04" providerId="LiveId" clId="{CF80D8A7-CC41-4EF3-AA75-E2F179A63D8E}" dt="2021-08-18T10:00:22.600" v="385" actId="20577"/>
+          <ac:spMkLst>
+            <pc:docMk/>
+            <pc:sldMk cId="1538469339" sldId="257"/>
+            <ac:spMk id="4" creationId="{0DA35279-0D0C-414F-AD3E-F0AC4E1783F0}"/>
+          </ac:spMkLst>
+        </pc:spChg>
+        <pc:spChg chg="add mod">
+          <ac:chgData name="Amar" userId="e6855fdc72edbb04" providerId="LiveId" clId="{CF80D8A7-CC41-4EF3-AA75-E2F179A63D8E}" dt="2021-08-18T10:03:56.151" v="514" actId="1076"/>
+          <ac:spMkLst>
+            <pc:docMk/>
+            <pc:sldMk cId="1538469339" sldId="257"/>
+            <ac:spMk id="6" creationId="{EF42F6AB-1BA9-4BBC-942C-1A2DBB600B39}"/>
+          </ac:spMkLst>
+        </pc:spChg>
+        <pc:spChg chg="add mod">
+          <ac:chgData name="Amar" userId="e6855fdc72edbb04" providerId="LiveId" clId="{CF80D8A7-CC41-4EF3-AA75-E2F179A63D8E}" dt="2021-08-18T10:03:52.897" v="513" actId="1076"/>
+          <ac:spMkLst>
+            <pc:docMk/>
+            <pc:sldMk cId="1538469339" sldId="257"/>
+            <ac:spMk id="7" creationId="{BAE40C41-E484-485F-B304-8D52ED63B13A}"/>
+          </ac:spMkLst>
+        </pc:spChg>
+        <pc:spChg chg="add mod">
+          <ac:chgData name="Amar" userId="e6855fdc72edbb04" providerId="LiveId" clId="{CF80D8A7-CC41-4EF3-AA75-E2F179A63D8E}" dt="2021-08-18T10:02:42.367" v="498" actId="1076"/>
+          <ac:spMkLst>
+            <pc:docMk/>
+            <pc:sldMk cId="1538469339" sldId="257"/>
+            <ac:spMk id="8" creationId="{4E4595DF-9C03-49F9-BE7E-42E51897738B}"/>
+          </ac:spMkLst>
+        </pc:spChg>
+        <pc:spChg chg="add mod">
+          <ac:chgData name="Amar" userId="e6855fdc72edbb04" providerId="LiveId" clId="{CF80D8A7-CC41-4EF3-AA75-E2F179A63D8E}" dt="2021-08-18T10:04:16.112" v="519" actId="1076"/>
+          <ac:spMkLst>
+            <pc:docMk/>
+            <pc:sldMk cId="1538469339" sldId="257"/>
+            <ac:spMk id="22" creationId="{FD1354EE-82A1-4527-9BE0-1B105DC5F2BF}"/>
+          </ac:spMkLst>
+        </pc:spChg>
+        <pc:spChg chg="add mod">
+          <ac:chgData name="Amar" userId="e6855fdc72edbb04" providerId="LiveId" clId="{CF80D8A7-CC41-4EF3-AA75-E2F179A63D8E}" dt="2021-08-18T10:04:19.451" v="520" actId="1076"/>
+          <ac:spMkLst>
+            <pc:docMk/>
+            <pc:sldMk cId="1538469339" sldId="257"/>
+            <ac:spMk id="23" creationId="{545CAEF7-A376-4792-9C60-758BA3C6DC8B}"/>
+          </ac:spMkLst>
+        </pc:spChg>
+        <pc:picChg chg="add del">
+          <ac:chgData name="Amar" userId="e6855fdc72edbb04" providerId="LiveId" clId="{CF80D8A7-CC41-4EF3-AA75-E2F179A63D8E}" dt="2021-08-18T10:00:16.504" v="376" actId="478"/>
+          <ac:picMkLst>
+            <pc:docMk/>
+            <pc:sldMk cId="1538469339" sldId="257"/>
+            <ac:picMk id="1026" creationId="{699434A5-8819-4C29-A172-9031249711FF}"/>
+          </ac:picMkLst>
+        </pc:picChg>
+        <pc:cxnChg chg="add del mod">
+          <ac:chgData name="Amar" userId="e6855fdc72edbb04" providerId="LiveId" clId="{CF80D8A7-CC41-4EF3-AA75-E2F179A63D8E}" dt="2021-08-18T10:03:34.246" v="506" actId="478"/>
+          <ac:cxnSpMkLst>
+            <pc:docMk/>
+            <pc:sldMk cId="1538469339" sldId="257"/>
+            <ac:cxnSpMk id="9" creationId="{C77991B5-0A42-471D-8ECE-926E4E3CAFC3}"/>
+          </ac:cxnSpMkLst>
+        </pc:cxnChg>
+        <pc:cxnChg chg="add del mod">
+          <ac:chgData name="Amar" userId="e6855fdc72edbb04" providerId="LiveId" clId="{CF80D8A7-CC41-4EF3-AA75-E2F179A63D8E}" dt="2021-08-18T10:04:46.270" v="528" actId="478"/>
+          <ac:cxnSpMkLst>
+            <pc:docMk/>
+            <pc:sldMk cId="1538469339" sldId="257"/>
+            <ac:cxnSpMk id="11" creationId="{A6263466-65CE-4955-911C-E5679342415D}"/>
+          </ac:cxnSpMkLst>
+        </pc:cxnChg>
+        <pc:cxnChg chg="add del mod">
+          <ac:chgData name="Amar" userId="e6855fdc72edbb04" providerId="LiveId" clId="{CF80D8A7-CC41-4EF3-AA75-E2F179A63D8E}" dt="2021-08-18T10:03:50.256" v="512" actId="478"/>
+          <ac:cxnSpMkLst>
+            <pc:docMk/>
+            <pc:sldMk cId="1538469339" sldId="257"/>
+            <ac:cxnSpMk id="14" creationId="{8C216A2C-EFF8-48BF-9E28-14D6615E3B64}"/>
+          </ac:cxnSpMkLst>
+        </pc:cxnChg>
+        <pc:cxnChg chg="add mod">
+          <ac:chgData name="Amar" userId="e6855fdc72edbb04" providerId="LiveId" clId="{CF80D8A7-CC41-4EF3-AA75-E2F179A63D8E}" dt="2021-08-18T10:04:16.112" v="519" actId="1076"/>
+          <ac:cxnSpMkLst>
+            <pc:docMk/>
+            <pc:sldMk cId="1538469339" sldId="257"/>
+            <ac:cxnSpMk id="24" creationId="{13ACF990-75E7-41EC-8E7D-8D0B4F9126CC}"/>
+          </ac:cxnSpMkLst>
+        </pc:cxnChg>
+        <pc:cxnChg chg="add mod">
+          <ac:chgData name="Amar" userId="e6855fdc72edbb04" providerId="LiveId" clId="{CF80D8A7-CC41-4EF3-AA75-E2F179A63D8E}" dt="2021-08-18T10:04:19.451" v="520" actId="1076"/>
+          <ac:cxnSpMkLst>
+            <pc:docMk/>
+            <pc:sldMk cId="1538469339" sldId="257"/>
+            <ac:cxnSpMk id="27" creationId="{7C256371-0879-4D82-A39F-44EF3DAD2790}"/>
+          </ac:cxnSpMkLst>
+        </pc:cxnChg>
+        <pc:cxnChg chg="add del mod">
+          <ac:chgData name="Amar" userId="e6855fdc72edbb04" providerId="LiveId" clId="{CF80D8A7-CC41-4EF3-AA75-E2F179A63D8E}" dt="2021-08-18T10:04:33.066" v="524" actId="478"/>
+          <ac:cxnSpMkLst>
+            <pc:docMk/>
+            <pc:sldMk cId="1538469339" sldId="257"/>
+            <ac:cxnSpMk id="28" creationId="{593F175C-BDC4-4A9F-8ECB-8879B4F313B4}"/>
+          </ac:cxnSpMkLst>
+        </pc:cxnChg>
+        <pc:cxnChg chg="add mod">
+          <ac:chgData name="Amar" userId="e6855fdc72edbb04" providerId="LiveId" clId="{CF80D8A7-CC41-4EF3-AA75-E2F179A63D8E}" dt="2021-08-18T10:03:52.897" v="513" actId="1076"/>
+          <ac:cxnSpMkLst>
+            <pc:docMk/>
+            <pc:sldMk cId="1538469339" sldId="257"/>
+            <ac:cxnSpMk id="49" creationId="{E4CBF39C-8077-4D21-822A-8EB8E5FA0AAD}"/>
+          </ac:cxnSpMkLst>
+        </pc:cxnChg>
+        <pc:cxnChg chg="add mod">
+          <ac:chgData name="Amar" userId="e6855fdc72edbb04" providerId="LiveId" clId="{CF80D8A7-CC41-4EF3-AA75-E2F179A63D8E}" dt="2021-08-18T10:04:30.971" v="523" actId="14100"/>
+          <ac:cxnSpMkLst>
+            <pc:docMk/>
+            <pc:sldMk cId="1538469339" sldId="257"/>
+            <ac:cxnSpMk id="62" creationId="{35B6C8BE-2186-46FC-AE96-C5186763FE6F}"/>
+          </ac:cxnSpMkLst>
+        </pc:cxnChg>
+        <pc:cxnChg chg="add mod">
+          <ac:chgData name="Amar" userId="e6855fdc72edbb04" providerId="LiveId" clId="{CF80D8A7-CC41-4EF3-AA75-E2F179A63D8E}" dt="2021-08-18T10:04:43.280" v="527" actId="14100"/>
+          <ac:cxnSpMkLst>
+            <pc:docMk/>
+            <pc:sldMk cId="1538469339" sldId="257"/>
+            <ac:cxnSpMk id="65" creationId="{6568ED04-3882-43BD-93C9-FA29723A75FD}"/>
+          </ac:cxnSpMkLst>
+        </pc:cxnChg>
+        <pc:cxnChg chg="add mod">
+          <ac:chgData name="Amar" userId="e6855fdc72edbb04" providerId="LiveId" clId="{CF80D8A7-CC41-4EF3-AA75-E2F179A63D8E}" dt="2021-08-18T10:04:09.083" v="518" actId="14100"/>
+          <ac:cxnSpMkLst>
+            <pc:docMk/>
+            <pc:sldMk cId="1538469339" sldId="257"/>
+            <ac:cxnSpMk id="1037" creationId="{E6797FF7-230A-48BD-AC92-ECF1B68AF8F7}"/>
+          </ac:cxnSpMkLst>
+        </pc:cxnChg>
+      </pc:sldChg>
+    </pc:docChg>
+  </pc:docChgLst>
+</pc:chgInfo>
 </file>
 
 <file path=ppt/slideLayouts/slideLayout1.xml><?xml version="1.0" encoding="utf-8"?>
@@ -256,7 +618,7 @@
           <a:p>
             <a:fld id="{059BD865-CAC2-4D18-91D3-F8B9A980D18A}" type="datetimeFigureOut">
               <a:rPr lang="en-IN" smtClean="0"/>
-              <a:t>17-08-2021</a:t>
+              <a:t>18-08-2021</a:t>
             </a:fld>
             <a:endParaRPr lang="en-IN"/>
           </a:p>
@@ -456,7 +818,7 @@
           <a:p>
             <a:fld id="{059BD865-CAC2-4D18-91D3-F8B9A980D18A}" type="datetimeFigureOut">
               <a:rPr lang="en-IN" smtClean="0"/>
-              <a:t>17-08-2021</a:t>
+              <a:t>18-08-2021</a:t>
             </a:fld>
             <a:endParaRPr lang="en-IN"/>
           </a:p>
@@ -666,7 +1028,7 @@
           <a:p>
             <a:fld id="{059BD865-CAC2-4D18-91D3-F8B9A980D18A}" type="datetimeFigureOut">
               <a:rPr lang="en-IN" smtClean="0"/>
-              <a:t>17-08-2021</a:t>
+              <a:t>18-08-2021</a:t>
             </a:fld>
             <a:endParaRPr lang="en-IN"/>
           </a:p>
@@ -866,7 +1228,7 @@
           <a:p>
             <a:fld id="{059BD865-CAC2-4D18-91D3-F8B9A980D18A}" type="datetimeFigureOut">
               <a:rPr lang="en-IN" smtClean="0"/>
-              <a:t>17-08-2021</a:t>
+              <a:t>18-08-2021</a:t>
             </a:fld>
             <a:endParaRPr lang="en-IN"/>
           </a:p>
@@ -1142,7 +1504,7 @@
           <a:p>
             <a:fld id="{059BD865-CAC2-4D18-91D3-F8B9A980D18A}" type="datetimeFigureOut">
               <a:rPr lang="en-IN" smtClean="0"/>
-              <a:t>17-08-2021</a:t>
+              <a:t>18-08-2021</a:t>
             </a:fld>
             <a:endParaRPr lang="en-IN"/>
           </a:p>
@@ -1410,7 +1772,7 @@
           <a:p>
             <a:fld id="{059BD865-CAC2-4D18-91D3-F8B9A980D18A}" type="datetimeFigureOut">
               <a:rPr lang="en-IN" smtClean="0"/>
-              <a:t>17-08-2021</a:t>
+              <a:t>18-08-2021</a:t>
             </a:fld>
             <a:endParaRPr lang="en-IN"/>
           </a:p>
@@ -1825,7 +2187,7 @@
           <a:p>
             <a:fld id="{059BD865-CAC2-4D18-91D3-F8B9A980D18A}" type="datetimeFigureOut">
               <a:rPr lang="en-IN" smtClean="0"/>
-              <a:t>17-08-2021</a:t>
+              <a:t>18-08-2021</a:t>
             </a:fld>
             <a:endParaRPr lang="en-IN"/>
           </a:p>
@@ -1967,7 +2329,7 @@
           <a:p>
             <a:fld id="{059BD865-CAC2-4D18-91D3-F8B9A980D18A}" type="datetimeFigureOut">
               <a:rPr lang="en-IN" smtClean="0"/>
-              <a:t>17-08-2021</a:t>
+              <a:t>18-08-2021</a:t>
             </a:fld>
             <a:endParaRPr lang="en-IN"/>
           </a:p>
@@ -2080,7 +2442,7 @@
           <a:p>
             <a:fld id="{059BD865-CAC2-4D18-91D3-F8B9A980D18A}" type="datetimeFigureOut">
               <a:rPr lang="en-IN" smtClean="0"/>
-              <a:t>17-08-2021</a:t>
+              <a:t>18-08-2021</a:t>
             </a:fld>
             <a:endParaRPr lang="en-IN"/>
           </a:p>
@@ -2393,7 +2755,7 @@
           <a:p>
             <a:fld id="{059BD865-CAC2-4D18-91D3-F8B9A980D18A}" type="datetimeFigureOut">
               <a:rPr lang="en-IN" smtClean="0"/>
-              <a:t>17-08-2021</a:t>
+              <a:t>18-08-2021</a:t>
             </a:fld>
             <a:endParaRPr lang="en-IN"/>
           </a:p>
@@ -2682,7 +3044,7 @@
           <a:p>
             <a:fld id="{059BD865-CAC2-4D18-91D3-F8B9A980D18A}" type="datetimeFigureOut">
               <a:rPr lang="en-IN" smtClean="0"/>
-              <a:t>17-08-2021</a:t>
+              <a:t>18-08-2021</a:t>
             </a:fld>
             <a:endParaRPr lang="en-IN"/>
           </a:p>
@@ -2925,7 +3287,7 @@
           <a:p>
             <a:fld id="{059BD865-CAC2-4D18-91D3-F8B9A980D18A}" type="datetimeFigureOut">
               <a:rPr lang="en-IN" smtClean="0"/>
-              <a:t>17-08-2021</a:t>
+              <a:t>18-08-2021</a:t>
             </a:fld>
             <a:endParaRPr lang="en-IN"/>
           </a:p>
@@ -3356,7 +3718,7 @@
         </p:nvSpPr>
         <p:spPr>
           <a:xfrm>
-            <a:off x="5009852" y="350875"/>
+            <a:off x="5004706" y="329609"/>
             <a:ext cx="2140689" cy="4316818"/>
           </a:xfrm>
           <a:prstGeom prst="roundRect">
@@ -3459,8 +3821,8 @@
         </p:blipFill>
         <p:spPr bwMode="auto">
           <a:xfrm>
-            <a:off x="1410440" y="1225998"/>
-            <a:ext cx="1283286" cy="1283286"/>
+            <a:off x="1242297" y="923378"/>
+            <a:ext cx="1110510" cy="1110510"/>
           </a:xfrm>
           <a:prstGeom prst="rect">
             <a:avLst/>
@@ -3492,7 +3854,7 @@
         <p:spPr>
           <a:xfrm>
             <a:off x="1242297" y="487994"/>
-            <a:ext cx="1787981" cy="369332"/>
+            <a:ext cx="1787981" cy="276999"/>
           </a:xfrm>
           <a:prstGeom prst="rect">
             <a:avLst/>
@@ -3506,7 +3868,7 @@
           <a:lstStyle/>
           <a:p>
             <a:r>
-              <a:rPr lang="en-IN" dirty="0"/>
+              <a:rPr lang="en-IN" sz="1200" dirty="0"/>
               <a:t>MongoDB-Atlas</a:t>
             </a:r>
           </a:p>
@@ -3526,8 +3888,8 @@
         </p:nvSpPr>
         <p:spPr>
           <a:xfrm>
-            <a:off x="946298" y="2967335"/>
-            <a:ext cx="2729879" cy="1200329"/>
+            <a:off x="1028699" y="2149043"/>
+            <a:ext cx="2729879" cy="1015663"/>
           </a:xfrm>
           <a:prstGeom prst="rect">
             <a:avLst/>
@@ -3541,26 +3903,32 @@
           <a:lstStyle/>
           <a:p>
             <a:r>
-              <a:rPr lang="en-IN" dirty="0"/>
+              <a:rPr lang="en-IN" sz="1200" dirty="0"/>
               <a:t>Thumbs:</a:t>
             </a:r>
           </a:p>
           <a:p>
             <a:r>
-              <a:rPr lang="en-IN" dirty="0"/>
+              <a:rPr lang="en-IN" sz="1200" dirty="0"/>
               <a:t>        -User Detail</a:t>
             </a:r>
           </a:p>
           <a:p>
             <a:r>
-              <a:rPr lang="en-IN" dirty="0"/>
+              <a:rPr lang="en-IN" sz="1200" dirty="0"/>
               <a:t>        -Doctors prescriptions</a:t>
             </a:r>
           </a:p>
           <a:p>
             <a:r>
-              <a:rPr lang="en-IN" dirty="0"/>
+              <a:rPr lang="en-IN" sz="1200" dirty="0"/>
               <a:t>        -Interpreted Results</a:t>
+            </a:r>
+          </a:p>
+          <a:p>
+            <a:r>
+              <a:rPr lang="en-IN" sz="1200" dirty="0"/>
+              <a:t>        -URL</a:t>
             </a:r>
           </a:p>
         </p:txBody>
@@ -3580,7 +3948,7 @@
         <p:spPr>
           <a:xfrm>
             <a:off x="5074532" y="508176"/>
-            <a:ext cx="1100410" cy="369332"/>
+            <a:ext cx="1100410" cy="276999"/>
           </a:xfrm>
           <a:prstGeom prst="rect">
             <a:avLst/>
@@ -3594,8 +3962,8 @@
           <a:lstStyle/>
           <a:p>
             <a:r>
-              <a:rPr lang="en-IN" dirty="0"/>
-              <a:t>Heroku</a:t>
+              <a:rPr lang="en-IN" sz="1200" dirty="0"/>
+              <a:t>Heroku/Aws</a:t>
             </a:r>
           </a:p>
         </p:txBody>
@@ -3614,7 +3982,7 @@
         </p:nvSpPr>
         <p:spPr>
           <a:xfrm>
-            <a:off x="5212643" y="1253983"/>
+            <a:off x="5238700" y="1030837"/>
             <a:ext cx="1595488" cy="3147895"/>
           </a:xfrm>
           <a:prstGeom prst="rect">
@@ -3658,8 +4026,8 @@
         </p:nvSpPr>
         <p:spPr>
           <a:xfrm>
-            <a:off x="5402329" y="1287265"/>
-            <a:ext cx="1355736" cy="646331"/>
+            <a:off x="5211210" y="1054203"/>
+            <a:ext cx="1355736" cy="276999"/>
           </a:xfrm>
           <a:prstGeom prst="rect">
             <a:avLst/>
@@ -3673,7 +4041,7 @@
           <a:lstStyle/>
           <a:p>
             <a:r>
-              <a:rPr lang="en-IN" dirty="0"/>
+              <a:rPr lang="en-IN" sz="1200" dirty="0"/>
               <a:t>Node-Application</a:t>
             </a:r>
           </a:p>
@@ -3693,8 +4061,8 @@
         </p:nvSpPr>
         <p:spPr>
           <a:xfrm>
-            <a:off x="5529992" y="1967407"/>
-            <a:ext cx="1100410" cy="1200329"/>
+            <a:off x="5541107" y="1277064"/>
+            <a:ext cx="1282859" cy="646331"/>
           </a:xfrm>
           <a:prstGeom prst="rect">
             <a:avLst/>
@@ -3708,22 +4076,18 @@
           <a:lstStyle/>
           <a:p>
             <a:r>
-              <a:rPr lang="en-IN" dirty="0" err="1"/>
-              <a:t>Express+Server</a:t>
-            </a:r>
-            <a:r>
-              <a:rPr lang="en-IN" dirty="0"/>
-              <a:t>+</a:t>
-            </a:r>
-          </a:p>
-          <a:p>
-            <a:r>
-              <a:rPr lang="en-IN" dirty="0" err="1"/>
-              <a:t>Ejs</a:t>
-            </a:r>
-            <a:r>
-              <a:rPr lang="en-IN" dirty="0"/>
+              <a:rPr lang="en-IN" sz="1200" dirty="0" err="1"/>
+              <a:t>Express.js+Server+Ejs</a:t>
+            </a:r>
+            <a:r>
+              <a:rPr lang="en-IN" sz="1200" dirty="0"/>
               <a:t>+ Scripts+</a:t>
+            </a:r>
+          </a:p>
+          <a:p>
+            <a:r>
+              <a:rPr lang="en-IN" sz="1200" dirty="0"/>
+              <a:t>Mongoose</a:t>
             </a:r>
           </a:p>
         </p:txBody>
@@ -3742,7 +4106,7 @@
         </p:nvSpPr>
         <p:spPr>
           <a:xfrm>
-            <a:off x="5336656" y="3201547"/>
+            <a:off x="5353353" y="2032430"/>
             <a:ext cx="1355736" cy="1009022"/>
           </a:xfrm>
           <a:prstGeom prst="rect">
@@ -3767,11 +4131,38 @@
           <a:bodyPr rtlCol="0" anchor="ctr"/>
           <a:lstStyle/>
           <a:p>
+            <a:r>
+              <a:rPr lang="en-IN" sz="1200" dirty="0"/>
+              <a:t>Authentication</a:t>
+            </a:r>
+          </a:p>
+          <a:p>
+            <a:r>
+              <a:rPr lang="en-IN" sz="1200" dirty="0"/>
+              <a:t>For login-</a:t>
+            </a:r>
+            <a:r>
+              <a:rPr lang="en-IN" sz="1200" dirty="0" err="1"/>
+              <a:t>SignIN</a:t>
+            </a:r>
+            <a:endParaRPr lang="en-IN" sz="1200" dirty="0"/>
+          </a:p>
+          <a:p>
+            <a:r>
+              <a:rPr lang="en-IN" sz="1200" dirty="0"/>
+              <a:t>Thumbs:        .</a:t>
+            </a:r>
+          </a:p>
+          <a:p>
             <a:pPr algn="ctr"/>
             <a:r>
-              <a:rPr lang="en-IN" dirty="0"/>
-              <a:t>Authentication</a:t>
-            </a:r>
+              <a:rPr lang="en-IN" sz="1200" dirty="0"/>
+              <a:t>-&gt; OAuth 2.0  </a:t>
+            </a:r>
+          </a:p>
+          <a:p>
+            <a:pPr algn="ctr"/>
+            <a:endParaRPr lang="en-IN" sz="1200" dirty="0"/>
           </a:p>
         </p:txBody>
       </p:sp>
@@ -3792,9 +4183,9 @@
           <p:nvPr/>
         </p:nvCxnSpPr>
         <p:spPr>
-          <a:xfrm flipH="1" flipV="1">
+          <a:xfrm flipH="1">
             <a:off x="3540642" y="2488018"/>
-            <a:ext cx="1469210" cy="21266"/>
+            <a:ext cx="1464064" cy="0"/>
           </a:xfrm>
           <a:prstGeom prst="straightConnector1">
             <a:avLst/>
@@ -3925,7 +4316,7 @@
         <p:spPr>
           <a:xfrm>
             <a:off x="8312433" y="487994"/>
-            <a:ext cx="1481956" cy="369332"/>
+            <a:ext cx="1481956" cy="307777"/>
           </a:xfrm>
           <a:prstGeom prst="rect">
             <a:avLst/>
@@ -3939,7 +4330,7 @@
           <a:lstStyle/>
           <a:p>
             <a:r>
-              <a:rPr lang="en-IN" dirty="0"/>
+              <a:rPr lang="en-IN" sz="1400" dirty="0"/>
               <a:t>Front-End</a:t>
             </a:r>
           </a:p>
@@ -3959,8 +4350,8 @@
         </p:nvSpPr>
         <p:spPr>
           <a:xfrm>
-            <a:off x="8564004" y="835428"/>
-            <a:ext cx="1100410" cy="369332"/>
+            <a:off x="8391522" y="759691"/>
+            <a:ext cx="2214917" cy="707886"/>
           </a:xfrm>
           <a:prstGeom prst="rect">
             <a:avLst/>
@@ -3975,7 +4366,23 @@
           <a:p>
             <a:r>
               <a:rPr lang="en-IN" dirty="0"/>
-              <a:t>-React</a:t>
+              <a:t>      -</a:t>
+            </a:r>
+            <a:r>
+              <a:rPr lang="en-IN" sz="1400" dirty="0"/>
+              <a:t>React</a:t>
+            </a:r>
+          </a:p>
+          <a:p>
+            <a:r>
+              <a:rPr lang="en-IN" sz="1100" dirty="0"/>
+              <a:t>Thumbs:</a:t>
+            </a:r>
+          </a:p>
+          <a:p>
+            <a:r>
+              <a:rPr lang="en-IN" sz="1100" dirty="0"/>
+              <a:t>    Real-Time Update logic</a:t>
             </a:r>
           </a:p>
         </p:txBody>
@@ -3998,8 +4405,8 @@
         </p:nvCxnSpPr>
         <p:spPr>
           <a:xfrm flipH="1">
-            <a:off x="7150541" y="998722"/>
-            <a:ext cx="1071053" cy="1510562"/>
+            <a:off x="7145395" y="998722"/>
+            <a:ext cx="1076199" cy="1489296"/>
           </a:xfrm>
           <a:prstGeom prst="straightConnector1">
             <a:avLst/>
@@ -4038,7 +4445,7 @@
         </p:nvSpPr>
         <p:spPr>
           <a:xfrm>
-            <a:off x="8527908" y="2604785"/>
+            <a:off x="8506300" y="2601246"/>
             <a:ext cx="1747036" cy="903769"/>
           </a:xfrm>
           <a:prstGeom prst="cloud">
@@ -4137,7 +4544,7 @@
         <p:spPr>
           <a:xfrm>
             <a:off x="9368597" y="1725724"/>
-            <a:ext cx="32829" cy="930735"/>
+            <a:ext cx="11221" cy="927196"/>
           </a:xfrm>
           <a:prstGeom prst="straightConnector1">
             <a:avLst/>
@@ -4180,8 +4587,8 @@
         </p:nvCxnSpPr>
         <p:spPr>
           <a:xfrm>
-            <a:off x="9401426" y="3507592"/>
-            <a:ext cx="1229693" cy="1011245"/>
+            <a:off x="9379818" y="3504053"/>
+            <a:ext cx="1251301" cy="1014784"/>
           </a:xfrm>
           <a:prstGeom prst="straightConnector1">
             <a:avLst/>
@@ -4270,10 +4677,790 @@
         </p:nvCxnSpPr>
         <p:spPr>
           <a:xfrm flipH="1">
-            <a:off x="8252487" y="3507592"/>
+            <a:off x="8230879" y="3504053"/>
             <a:ext cx="1148939" cy="1011245"/>
           </a:xfrm>
           <a:prstGeom prst="straightConnector1">
+            <a:avLst/>
+          </a:prstGeom>
+          <a:ln>
+            <a:headEnd type="triangle"/>
+            <a:tailEnd type="triangle"/>
+          </a:ln>
+        </p:spPr>
+        <p:style>
+          <a:lnRef idx="1">
+            <a:schemeClr val="accent1"/>
+          </a:lnRef>
+          <a:fillRef idx="0">
+            <a:schemeClr val="accent1"/>
+          </a:fillRef>
+          <a:effectRef idx="0">
+            <a:schemeClr val="accent1"/>
+          </a:effectRef>
+          <a:fontRef idx="minor">
+            <a:schemeClr val="tx1"/>
+          </a:fontRef>
+        </p:style>
+      </p:cxnSp>
+      <p:sp>
+        <p:nvSpPr>
+          <p:cNvPr id="24" name="TextBox 23">
+            <a:extLst>
+              <a:ext uri="{FF2B5EF4-FFF2-40B4-BE49-F238E27FC236}">
+                <a16:creationId xmlns:a16="http://schemas.microsoft.com/office/drawing/2014/main" id="{68B7F018-38CD-49F3-9F8C-75172CB67DD0}"/>
+              </a:ext>
+            </a:extLst>
+          </p:cNvPr>
+          <p:cNvSpPr txBox="1"/>
+          <p:nvPr/>
+        </p:nvSpPr>
+        <p:spPr>
+          <a:xfrm>
+            <a:off x="10280632" y="5747169"/>
+            <a:ext cx="1481956" cy="369332"/>
+          </a:xfrm>
+          <a:prstGeom prst="rect">
+            <a:avLst/>
+          </a:prstGeom>
+          <a:noFill/>
+        </p:spPr>
+        <p:txBody>
+          <a:bodyPr wrap="square" rtlCol="0">
+            <a:spAutoFit/>
+          </a:bodyPr>
+          <a:lstStyle/>
+          <a:p>
+            <a:r>
+              <a:rPr lang="en-IN" dirty="0"/>
+              <a:t>user</a:t>
+            </a:r>
+          </a:p>
+        </p:txBody>
+      </p:sp>
+      <p:sp>
+        <p:nvSpPr>
+          <p:cNvPr id="25" name="TextBox 24">
+            <a:extLst>
+              <a:ext uri="{FF2B5EF4-FFF2-40B4-BE49-F238E27FC236}">
+                <a16:creationId xmlns:a16="http://schemas.microsoft.com/office/drawing/2014/main" id="{0D9122D1-6C8E-4BB1-890A-354A2A8A4A18}"/>
+              </a:ext>
+            </a:extLst>
+          </p:cNvPr>
+          <p:cNvSpPr txBox="1"/>
+          <p:nvPr/>
+        </p:nvSpPr>
+        <p:spPr>
+          <a:xfrm>
+            <a:off x="7686067" y="5747169"/>
+            <a:ext cx="1481956" cy="369332"/>
+          </a:xfrm>
+          <a:prstGeom prst="rect">
+            <a:avLst/>
+          </a:prstGeom>
+          <a:noFill/>
+        </p:spPr>
+        <p:txBody>
+          <a:bodyPr wrap="square" rtlCol="0">
+            <a:spAutoFit/>
+          </a:bodyPr>
+          <a:lstStyle/>
+          <a:p>
+            <a:r>
+              <a:rPr lang="en-IN" dirty="0"/>
+              <a:t>Hospital</a:t>
+            </a:r>
+          </a:p>
+        </p:txBody>
+      </p:sp>
+      <p:sp>
+        <p:nvSpPr>
+          <p:cNvPr id="32" name="Rectangle 31">
+            <a:extLst>
+              <a:ext uri="{FF2B5EF4-FFF2-40B4-BE49-F238E27FC236}">
+                <a16:creationId xmlns:a16="http://schemas.microsoft.com/office/drawing/2014/main" id="{E1C9E99E-5C96-4B05-827C-30D45D82249A}"/>
+              </a:ext>
+            </a:extLst>
+          </p:cNvPr>
+          <p:cNvSpPr/>
+          <p:nvPr/>
+        </p:nvSpPr>
+        <p:spPr>
+          <a:xfrm>
+            <a:off x="5369410" y="3083553"/>
+            <a:ext cx="1355736" cy="1009022"/>
+          </a:xfrm>
+          <a:prstGeom prst="rect">
+            <a:avLst/>
+          </a:prstGeom>
+        </p:spPr>
+        <p:style>
+          <a:lnRef idx="1">
+            <a:schemeClr val="accent1"/>
+          </a:lnRef>
+          <a:fillRef idx="2">
+            <a:schemeClr val="accent1"/>
+          </a:fillRef>
+          <a:effectRef idx="1">
+            <a:schemeClr val="accent1"/>
+          </a:effectRef>
+          <a:fontRef idx="minor">
+            <a:schemeClr val="dk1"/>
+          </a:fontRef>
+        </p:style>
+        <p:txBody>
+          <a:bodyPr rtlCol="0" anchor="ctr"/>
+          <a:lstStyle/>
+          <a:p>
+            <a:r>
+              <a:rPr lang="en-IN" sz="1200" dirty="0"/>
+              <a:t>Cookies</a:t>
+            </a:r>
+          </a:p>
+          <a:p>
+            <a:pPr algn="ctr"/>
+            <a:r>
+              <a:rPr lang="en-IN" sz="1200" dirty="0"/>
+              <a:t>-&gt;Session</a:t>
+            </a:r>
+          </a:p>
+          <a:p>
+            <a:pPr algn="ctr"/>
+            <a:r>
+              <a:rPr lang="en-IN" sz="1200" dirty="0"/>
+              <a:t>  </a:t>
+            </a:r>
+          </a:p>
+          <a:p>
+            <a:pPr algn="ctr"/>
+            <a:endParaRPr lang="en-IN" sz="1200" dirty="0"/>
+          </a:p>
+        </p:txBody>
+      </p:sp>
+      <p:sp>
+        <p:nvSpPr>
+          <p:cNvPr id="41" name="TextBox 40">
+            <a:extLst>
+              <a:ext uri="{FF2B5EF4-FFF2-40B4-BE49-F238E27FC236}">
+                <a16:creationId xmlns:a16="http://schemas.microsoft.com/office/drawing/2014/main" id="{B015DF7A-3946-4536-AA44-85655C5AB67E}"/>
+              </a:ext>
+            </a:extLst>
+          </p:cNvPr>
+          <p:cNvSpPr txBox="1"/>
+          <p:nvPr/>
+        </p:nvSpPr>
+        <p:spPr>
+          <a:xfrm>
+            <a:off x="9408542" y="1781986"/>
+            <a:ext cx="369332" cy="813405"/>
+          </a:xfrm>
+          <a:prstGeom prst="rect">
+            <a:avLst/>
+          </a:prstGeom>
+          <a:noFill/>
+        </p:spPr>
+        <p:txBody>
+          <a:bodyPr vert="vert" wrap="square" rtlCol="0">
+            <a:spAutoFit/>
+          </a:bodyPr>
+          <a:lstStyle/>
+          <a:p>
+            <a:r>
+              <a:rPr lang="en-IN" sz="1200" dirty="0"/>
+              <a:t>UI interface</a:t>
+            </a:r>
+          </a:p>
+        </p:txBody>
+      </p:sp>
+      <p:sp>
+        <p:nvSpPr>
+          <p:cNvPr id="49" name="TextBox 48">
+            <a:extLst>
+              <a:ext uri="{FF2B5EF4-FFF2-40B4-BE49-F238E27FC236}">
+                <a16:creationId xmlns:a16="http://schemas.microsoft.com/office/drawing/2014/main" id="{8CF793CD-9656-4E4F-843B-5C0DB7B830D7}"/>
+              </a:ext>
+            </a:extLst>
+          </p:cNvPr>
+          <p:cNvSpPr txBox="1"/>
+          <p:nvPr/>
+        </p:nvSpPr>
+        <p:spPr>
+          <a:xfrm>
+            <a:off x="3715794" y="2259942"/>
+            <a:ext cx="1481956" cy="276999"/>
+          </a:xfrm>
+          <a:prstGeom prst="rect">
+            <a:avLst/>
+          </a:prstGeom>
+          <a:noFill/>
+        </p:spPr>
+        <p:txBody>
+          <a:bodyPr wrap="square" rtlCol="0">
+            <a:spAutoFit/>
+          </a:bodyPr>
+          <a:lstStyle/>
+          <a:p>
+            <a:r>
+              <a:rPr lang="en-IN" sz="1200" dirty="0"/>
+              <a:t>Fetch/ pull</a:t>
+            </a:r>
+          </a:p>
+        </p:txBody>
+      </p:sp>
+    </p:spTree>
+    <p:extLst>
+      <p:ext uri="{BB962C8B-B14F-4D97-AF65-F5344CB8AC3E}">
+        <p14:creationId xmlns:p14="http://schemas.microsoft.com/office/powerpoint/2010/main" val="1309221323"/>
+      </p:ext>
+    </p:extLst>
+  </p:cSld>
+  <p:clrMapOvr>
+    <a:masterClrMapping/>
+  </p:clrMapOvr>
+</p:sld>
+</file>
+
+<file path=ppt/slides/slide2.xml><?xml version="1.0" encoding="utf-8"?>
+<p:sld xmlns:a="http://schemas.openxmlformats.org/drawingml/2006/main" xmlns:r="http://schemas.openxmlformats.org/officeDocument/2006/relationships" xmlns:p="http://schemas.openxmlformats.org/presentationml/2006/main">
+  <p:cSld>
+    <p:spTree>
+      <p:nvGrpSpPr>
+        <p:cNvPr id="1" name=""/>
+        <p:cNvGrpSpPr/>
+        <p:nvPr/>
+      </p:nvGrpSpPr>
+      <p:grpSpPr>
+        <a:xfrm>
+          <a:off x="0" y="0"/>
+          <a:ext cx="0" cy="0"/>
+          <a:chOff x="0" y="0"/>
+          <a:chExt cx="0" cy="0"/>
+        </a:xfrm>
+      </p:grpSpPr>
+      <p:sp>
+        <p:nvSpPr>
+          <p:cNvPr id="4" name="Rectangle 3">
+            <a:extLst>
+              <a:ext uri="{FF2B5EF4-FFF2-40B4-BE49-F238E27FC236}">
+                <a16:creationId xmlns:a16="http://schemas.microsoft.com/office/drawing/2014/main" id="{0DA35279-0D0C-414F-AD3E-F0AC4E1783F0}"/>
+              </a:ext>
+            </a:extLst>
+          </p:cNvPr>
+          <p:cNvSpPr/>
+          <p:nvPr/>
+        </p:nvSpPr>
+        <p:spPr>
+          <a:xfrm>
+            <a:off x="2047875" y="2609850"/>
+            <a:ext cx="1304925" cy="514350"/>
+          </a:xfrm>
+          <a:prstGeom prst="rect">
+            <a:avLst/>
+          </a:prstGeom>
+        </p:spPr>
+        <p:style>
+          <a:lnRef idx="1">
+            <a:schemeClr val="accent2"/>
+          </a:lnRef>
+          <a:fillRef idx="2">
+            <a:schemeClr val="accent2"/>
+          </a:fillRef>
+          <a:effectRef idx="1">
+            <a:schemeClr val="accent2"/>
+          </a:effectRef>
+          <a:fontRef idx="minor">
+            <a:schemeClr val="dk1"/>
+          </a:fontRef>
+        </p:style>
+        <p:txBody>
+          <a:bodyPr rtlCol="0" anchor="ctr"/>
+          <a:lstStyle/>
+          <a:p>
+            <a:pPr algn="ctr"/>
+            <a:r>
+              <a:rPr lang="en-IN" dirty="0"/>
+              <a:t>Home</a:t>
+            </a:r>
+          </a:p>
+        </p:txBody>
+      </p:sp>
+      <p:sp>
+        <p:nvSpPr>
+          <p:cNvPr id="6" name="Rectangle 5">
+            <a:extLst>
+              <a:ext uri="{FF2B5EF4-FFF2-40B4-BE49-F238E27FC236}">
+                <a16:creationId xmlns:a16="http://schemas.microsoft.com/office/drawing/2014/main" id="{EF42F6AB-1BA9-4BBC-942C-1A2DBB600B39}"/>
+              </a:ext>
+            </a:extLst>
+          </p:cNvPr>
+          <p:cNvSpPr/>
+          <p:nvPr/>
+        </p:nvSpPr>
+        <p:spPr>
+          <a:xfrm>
+            <a:off x="3718325" y="1800224"/>
+            <a:ext cx="1304925" cy="514350"/>
+          </a:xfrm>
+          <a:prstGeom prst="rect">
+            <a:avLst/>
+          </a:prstGeom>
+        </p:spPr>
+        <p:style>
+          <a:lnRef idx="1">
+            <a:schemeClr val="accent2"/>
+          </a:lnRef>
+          <a:fillRef idx="2">
+            <a:schemeClr val="accent2"/>
+          </a:fillRef>
+          <a:effectRef idx="1">
+            <a:schemeClr val="accent2"/>
+          </a:effectRef>
+          <a:fontRef idx="minor">
+            <a:schemeClr val="dk1"/>
+          </a:fontRef>
+        </p:style>
+        <p:txBody>
+          <a:bodyPr rtlCol="0" anchor="ctr"/>
+          <a:lstStyle/>
+          <a:p>
+            <a:pPr algn="ctr"/>
+            <a:r>
+              <a:rPr lang="en-IN" dirty="0"/>
+              <a:t>Login</a:t>
+            </a:r>
+          </a:p>
+        </p:txBody>
+      </p:sp>
+      <p:sp>
+        <p:nvSpPr>
+          <p:cNvPr id="7" name="Rectangle 6">
+            <a:extLst>
+              <a:ext uri="{FF2B5EF4-FFF2-40B4-BE49-F238E27FC236}">
+                <a16:creationId xmlns:a16="http://schemas.microsoft.com/office/drawing/2014/main" id="{BAE40C41-E484-485F-B304-8D52ED63B13A}"/>
+              </a:ext>
+            </a:extLst>
+          </p:cNvPr>
+          <p:cNvSpPr/>
+          <p:nvPr/>
+        </p:nvSpPr>
+        <p:spPr>
+          <a:xfrm>
+            <a:off x="3352800" y="3495675"/>
+            <a:ext cx="1304925" cy="514350"/>
+          </a:xfrm>
+          <a:prstGeom prst="rect">
+            <a:avLst/>
+          </a:prstGeom>
+        </p:spPr>
+        <p:style>
+          <a:lnRef idx="1">
+            <a:schemeClr val="accent2"/>
+          </a:lnRef>
+          <a:fillRef idx="2">
+            <a:schemeClr val="accent2"/>
+          </a:fillRef>
+          <a:effectRef idx="1">
+            <a:schemeClr val="accent2"/>
+          </a:effectRef>
+          <a:fontRef idx="minor">
+            <a:schemeClr val="dk1"/>
+          </a:fontRef>
+        </p:style>
+        <p:txBody>
+          <a:bodyPr rtlCol="0" anchor="ctr"/>
+          <a:lstStyle/>
+          <a:p>
+            <a:pPr algn="ctr"/>
+            <a:r>
+              <a:rPr lang="en-IN" dirty="0"/>
+              <a:t>Registration</a:t>
+            </a:r>
+          </a:p>
+        </p:txBody>
+      </p:sp>
+      <p:sp>
+        <p:nvSpPr>
+          <p:cNvPr id="8" name="Rectangle 7">
+            <a:extLst>
+              <a:ext uri="{FF2B5EF4-FFF2-40B4-BE49-F238E27FC236}">
+                <a16:creationId xmlns:a16="http://schemas.microsoft.com/office/drawing/2014/main" id="{4E4595DF-9C03-49F9-BE7E-42E51897738B}"/>
+              </a:ext>
+            </a:extLst>
+          </p:cNvPr>
+          <p:cNvSpPr/>
+          <p:nvPr/>
+        </p:nvSpPr>
+        <p:spPr>
+          <a:xfrm>
+            <a:off x="9020177" y="2752725"/>
+            <a:ext cx="1304925" cy="514350"/>
+          </a:xfrm>
+          <a:prstGeom prst="rect">
+            <a:avLst/>
+          </a:prstGeom>
+        </p:spPr>
+        <p:style>
+          <a:lnRef idx="1">
+            <a:schemeClr val="accent2"/>
+          </a:lnRef>
+          <a:fillRef idx="2">
+            <a:schemeClr val="accent2"/>
+          </a:fillRef>
+          <a:effectRef idx="1">
+            <a:schemeClr val="accent2"/>
+          </a:effectRef>
+          <a:fontRef idx="minor">
+            <a:schemeClr val="dk1"/>
+          </a:fontRef>
+        </p:style>
+        <p:txBody>
+          <a:bodyPr rtlCol="0" anchor="ctr"/>
+          <a:lstStyle/>
+          <a:p>
+            <a:pPr algn="ctr"/>
+            <a:r>
+              <a:rPr lang="en-IN" dirty="0"/>
+              <a:t>Secret Page</a:t>
+            </a:r>
+          </a:p>
+        </p:txBody>
+      </p:sp>
+      <p:sp>
+        <p:nvSpPr>
+          <p:cNvPr id="22" name="Rectangle 21">
+            <a:extLst>
+              <a:ext uri="{FF2B5EF4-FFF2-40B4-BE49-F238E27FC236}">
+                <a16:creationId xmlns:a16="http://schemas.microsoft.com/office/drawing/2014/main" id="{FD1354EE-82A1-4527-9BE0-1B105DC5F2BF}"/>
+              </a:ext>
+            </a:extLst>
+          </p:cNvPr>
+          <p:cNvSpPr/>
+          <p:nvPr/>
+        </p:nvSpPr>
+        <p:spPr>
+          <a:xfrm>
+            <a:off x="5310187" y="3495675"/>
+            <a:ext cx="1304925" cy="514350"/>
+          </a:xfrm>
+          <a:prstGeom prst="rect">
+            <a:avLst/>
+          </a:prstGeom>
+        </p:spPr>
+        <p:style>
+          <a:lnRef idx="1">
+            <a:schemeClr val="accent2"/>
+          </a:lnRef>
+          <a:fillRef idx="2">
+            <a:schemeClr val="accent2"/>
+          </a:fillRef>
+          <a:effectRef idx="1">
+            <a:schemeClr val="accent2"/>
+          </a:effectRef>
+          <a:fontRef idx="minor">
+            <a:schemeClr val="dk1"/>
+          </a:fontRef>
+        </p:style>
+        <p:txBody>
+          <a:bodyPr rtlCol="0" anchor="ctr"/>
+          <a:lstStyle/>
+          <a:p>
+            <a:pPr algn="ctr"/>
+            <a:r>
+              <a:rPr lang="en-IN" dirty="0"/>
+              <a:t>update</a:t>
+            </a:r>
+          </a:p>
+        </p:txBody>
+      </p:sp>
+      <p:sp>
+        <p:nvSpPr>
+          <p:cNvPr id="23" name="Rectangle 22">
+            <a:extLst>
+              <a:ext uri="{FF2B5EF4-FFF2-40B4-BE49-F238E27FC236}">
+                <a16:creationId xmlns:a16="http://schemas.microsoft.com/office/drawing/2014/main" id="{545CAEF7-A376-4792-9C60-758BA3C6DC8B}"/>
+              </a:ext>
+            </a:extLst>
+          </p:cNvPr>
+          <p:cNvSpPr/>
+          <p:nvPr/>
+        </p:nvSpPr>
+        <p:spPr>
+          <a:xfrm>
+            <a:off x="7331875" y="3457575"/>
+            <a:ext cx="1304925" cy="514350"/>
+          </a:xfrm>
+          <a:prstGeom prst="rect">
+            <a:avLst/>
+          </a:prstGeom>
+        </p:spPr>
+        <p:style>
+          <a:lnRef idx="1">
+            <a:schemeClr val="accent2"/>
+          </a:lnRef>
+          <a:fillRef idx="2">
+            <a:schemeClr val="accent2"/>
+          </a:fillRef>
+          <a:effectRef idx="1">
+            <a:schemeClr val="accent2"/>
+          </a:effectRef>
+          <a:fontRef idx="minor">
+            <a:schemeClr val="dk1"/>
+          </a:fontRef>
+        </p:style>
+        <p:txBody>
+          <a:bodyPr rtlCol="0" anchor="ctr"/>
+          <a:lstStyle/>
+          <a:p>
+            <a:pPr algn="ctr"/>
+            <a:r>
+              <a:rPr lang="en-IN" dirty="0"/>
+              <a:t>KYC</a:t>
+            </a:r>
+          </a:p>
+        </p:txBody>
+      </p:sp>
+      <p:cxnSp>
+        <p:nvCxnSpPr>
+          <p:cNvPr id="24" name="Straight Arrow Connector 23">
+            <a:extLst>
+              <a:ext uri="{FF2B5EF4-FFF2-40B4-BE49-F238E27FC236}">
+                <a16:creationId xmlns:a16="http://schemas.microsoft.com/office/drawing/2014/main" id="{13ACF990-75E7-41EC-8E7D-8D0B4F9126CC}"/>
+              </a:ext>
+            </a:extLst>
+          </p:cNvPr>
+          <p:cNvCxnSpPr>
+            <a:cxnSpLocks/>
+            <a:stCxn id="7" idx="3"/>
+            <a:endCxn id="22" idx="1"/>
+          </p:cNvCxnSpPr>
+          <p:nvPr/>
+        </p:nvCxnSpPr>
+        <p:spPr>
+          <a:xfrm>
+            <a:off x="4657725" y="3752850"/>
+            <a:ext cx="652462" cy="0"/>
+          </a:xfrm>
+          <a:prstGeom prst="straightConnector1">
+            <a:avLst/>
+          </a:prstGeom>
+          <a:ln>
+            <a:headEnd type="triangle"/>
+            <a:tailEnd type="triangle"/>
+          </a:ln>
+        </p:spPr>
+        <p:style>
+          <a:lnRef idx="1">
+            <a:schemeClr val="accent1"/>
+          </a:lnRef>
+          <a:fillRef idx="0">
+            <a:schemeClr val="accent1"/>
+          </a:fillRef>
+          <a:effectRef idx="0">
+            <a:schemeClr val="accent1"/>
+          </a:effectRef>
+          <a:fontRef idx="minor">
+            <a:schemeClr val="tx1"/>
+          </a:fontRef>
+        </p:style>
+      </p:cxnSp>
+      <p:cxnSp>
+        <p:nvCxnSpPr>
+          <p:cNvPr id="27" name="Straight Arrow Connector 26">
+            <a:extLst>
+              <a:ext uri="{FF2B5EF4-FFF2-40B4-BE49-F238E27FC236}">
+                <a16:creationId xmlns:a16="http://schemas.microsoft.com/office/drawing/2014/main" id="{7C256371-0879-4D82-A39F-44EF3DAD2790}"/>
+              </a:ext>
+            </a:extLst>
+          </p:cNvPr>
+          <p:cNvCxnSpPr>
+            <a:cxnSpLocks/>
+            <a:stCxn id="22" idx="3"/>
+            <a:endCxn id="23" idx="1"/>
+          </p:cNvCxnSpPr>
+          <p:nvPr/>
+        </p:nvCxnSpPr>
+        <p:spPr>
+          <a:xfrm flipV="1">
+            <a:off x="6615112" y="3714750"/>
+            <a:ext cx="716763" cy="38100"/>
+          </a:xfrm>
+          <a:prstGeom prst="straightConnector1">
+            <a:avLst/>
+          </a:prstGeom>
+          <a:ln>
+            <a:headEnd type="triangle"/>
+            <a:tailEnd type="triangle"/>
+          </a:ln>
+        </p:spPr>
+        <p:style>
+          <a:lnRef idx="1">
+            <a:schemeClr val="accent1"/>
+          </a:lnRef>
+          <a:fillRef idx="0">
+            <a:schemeClr val="accent1"/>
+          </a:fillRef>
+          <a:effectRef idx="0">
+            <a:schemeClr val="accent1"/>
+          </a:effectRef>
+          <a:fontRef idx="minor">
+            <a:schemeClr val="tx1"/>
+          </a:fontRef>
+        </p:style>
+      </p:cxnSp>
+      <p:cxnSp>
+        <p:nvCxnSpPr>
+          <p:cNvPr id="1037" name="Connector: Elbow 1036">
+            <a:extLst>
+              <a:ext uri="{FF2B5EF4-FFF2-40B4-BE49-F238E27FC236}">
+                <a16:creationId xmlns:a16="http://schemas.microsoft.com/office/drawing/2014/main" id="{E6797FF7-230A-48BD-AC92-ECF1B68AF8F7}"/>
+              </a:ext>
+            </a:extLst>
+          </p:cNvPr>
+          <p:cNvCxnSpPr>
+            <a:cxnSpLocks/>
+            <a:endCxn id="6" idx="1"/>
+          </p:cNvCxnSpPr>
+          <p:nvPr/>
+        </p:nvCxnSpPr>
+        <p:spPr>
+          <a:xfrm flipV="1">
+            <a:off x="2700339" y="2057399"/>
+            <a:ext cx="1017986" cy="552452"/>
+          </a:xfrm>
+          <a:prstGeom prst="bentConnector3">
+            <a:avLst>
+              <a:gd name="adj1" fmla="val -526"/>
+            </a:avLst>
+          </a:prstGeom>
+          <a:ln>
+            <a:headEnd type="triangle"/>
+            <a:tailEnd type="triangle"/>
+          </a:ln>
+        </p:spPr>
+        <p:style>
+          <a:lnRef idx="1">
+            <a:schemeClr val="accent1"/>
+          </a:lnRef>
+          <a:fillRef idx="0">
+            <a:schemeClr val="accent1"/>
+          </a:fillRef>
+          <a:effectRef idx="0">
+            <a:schemeClr val="accent1"/>
+          </a:effectRef>
+          <a:fontRef idx="minor">
+            <a:schemeClr val="tx1"/>
+          </a:fontRef>
+        </p:style>
+      </p:cxnSp>
+      <p:cxnSp>
+        <p:nvCxnSpPr>
+          <p:cNvPr id="49" name="Connector: Elbow 48">
+            <a:extLst>
+              <a:ext uri="{FF2B5EF4-FFF2-40B4-BE49-F238E27FC236}">
+                <a16:creationId xmlns:a16="http://schemas.microsoft.com/office/drawing/2014/main" id="{E4CBF39C-8077-4D21-822A-8EB8E5FA0AAD}"/>
+              </a:ext>
+            </a:extLst>
+          </p:cNvPr>
+          <p:cNvCxnSpPr>
+            <a:cxnSpLocks/>
+            <a:stCxn id="4" idx="2"/>
+            <a:endCxn id="7" idx="1"/>
+          </p:cNvCxnSpPr>
+          <p:nvPr/>
+        </p:nvCxnSpPr>
+        <p:spPr>
+          <a:xfrm rot="16200000" flipH="1">
+            <a:off x="2712244" y="3112294"/>
+            <a:ext cx="628650" cy="652462"/>
+          </a:xfrm>
+          <a:prstGeom prst="bentConnector2">
+            <a:avLst/>
+          </a:prstGeom>
+          <a:ln>
+            <a:headEnd type="triangle"/>
+            <a:tailEnd type="triangle"/>
+          </a:ln>
+        </p:spPr>
+        <p:style>
+          <a:lnRef idx="1">
+            <a:schemeClr val="accent1"/>
+          </a:lnRef>
+          <a:fillRef idx="0">
+            <a:schemeClr val="accent1"/>
+          </a:fillRef>
+          <a:effectRef idx="0">
+            <a:schemeClr val="accent1"/>
+          </a:effectRef>
+          <a:fontRef idx="minor">
+            <a:schemeClr val="tx1"/>
+          </a:fontRef>
+        </p:style>
+      </p:cxnSp>
+      <p:cxnSp>
+        <p:nvCxnSpPr>
+          <p:cNvPr id="62" name="Connector: Elbow 61">
+            <a:extLst>
+              <a:ext uri="{FF2B5EF4-FFF2-40B4-BE49-F238E27FC236}">
+                <a16:creationId xmlns:a16="http://schemas.microsoft.com/office/drawing/2014/main" id="{35B6C8BE-2186-46FC-AE96-C5186763FE6F}"/>
+              </a:ext>
+            </a:extLst>
+          </p:cNvPr>
+          <p:cNvCxnSpPr>
+            <a:cxnSpLocks/>
+            <a:stCxn id="8" idx="2"/>
+            <a:endCxn id="23" idx="3"/>
+          </p:cNvCxnSpPr>
+          <p:nvPr/>
+        </p:nvCxnSpPr>
+        <p:spPr>
+          <a:xfrm rot="5400000">
+            <a:off x="8930883" y="2972992"/>
+            <a:ext cx="447675" cy="1035840"/>
+          </a:xfrm>
+          <a:prstGeom prst="bentConnector2">
+            <a:avLst/>
+          </a:prstGeom>
+          <a:ln>
+            <a:headEnd type="triangle"/>
+            <a:tailEnd type="triangle"/>
+          </a:ln>
+        </p:spPr>
+        <p:style>
+          <a:lnRef idx="1">
+            <a:schemeClr val="accent1"/>
+          </a:lnRef>
+          <a:fillRef idx="0">
+            <a:schemeClr val="accent1"/>
+          </a:fillRef>
+          <a:effectRef idx="0">
+            <a:schemeClr val="accent1"/>
+          </a:effectRef>
+          <a:fontRef idx="minor">
+            <a:schemeClr val="tx1"/>
+          </a:fontRef>
+        </p:style>
+      </p:cxnSp>
+      <p:cxnSp>
+        <p:nvCxnSpPr>
+          <p:cNvPr id="65" name="Connector: Elbow 64">
+            <a:extLst>
+              <a:ext uri="{FF2B5EF4-FFF2-40B4-BE49-F238E27FC236}">
+                <a16:creationId xmlns:a16="http://schemas.microsoft.com/office/drawing/2014/main" id="{6568ED04-3882-43BD-93C9-FA29723A75FD}"/>
+              </a:ext>
+            </a:extLst>
+          </p:cNvPr>
+          <p:cNvCxnSpPr>
+            <a:cxnSpLocks/>
+            <a:stCxn id="8" idx="0"/>
+          </p:cNvCxnSpPr>
+          <p:nvPr/>
+        </p:nvCxnSpPr>
+        <p:spPr>
+          <a:xfrm rot="16200000" flipV="1">
+            <a:off x="7047908" y="127992"/>
+            <a:ext cx="695324" cy="4554141"/>
+          </a:xfrm>
+          <a:prstGeom prst="bentConnector2">
             <a:avLst/>
           </a:prstGeom>
           <a:ln>
@@ -4299,7 +5486,7 @@
     </p:spTree>
     <p:extLst>
       <p:ext uri="{BB962C8B-B14F-4D97-AF65-F5344CB8AC3E}">
-        <p14:creationId xmlns:p14="http://schemas.microsoft.com/office/powerpoint/2010/main" val="1309221323"/>
+        <p14:creationId xmlns:p14="http://schemas.microsoft.com/office/powerpoint/2010/main" val="1538469339"/>
       </p:ext>
     </p:extLst>
   </p:cSld>
